--- a/発表会資料.pptx
+++ b/発表会資料.pptx
@@ -9,11 +9,13 @@
     <p:sldId id="257" r:id="rId3"/>
     <p:sldId id="258" r:id="rId4"/>
     <p:sldId id="259" r:id="rId5"/>
-    <p:sldId id="260" r:id="rId6"/>
-    <p:sldId id="261" r:id="rId7"/>
-    <p:sldId id="262" r:id="rId8"/>
-    <p:sldId id="263" r:id="rId9"/>
-    <p:sldId id="264" r:id="rId10"/>
+    <p:sldId id="266" r:id="rId6"/>
+    <p:sldId id="260" r:id="rId7"/>
+    <p:sldId id="265" r:id="rId8"/>
+    <p:sldId id="261" r:id="rId9"/>
+    <p:sldId id="262" r:id="rId10"/>
+    <p:sldId id="263" r:id="rId11"/>
+    <p:sldId id="264" r:id="rId12"/>
   </p:sldIdLst>
   <p:sldSz cx="12192000" cy="6858000"/>
   <p:notesSz cx="6858000" cy="9144000"/>
@@ -125,12 +127,12 @@
   <pc:docChgLst>
     <pc:chgData name="竹内 鉄也" userId="531998a7690f8f5a" providerId="LiveId" clId="{7A63C438-C024-4534-81F1-C3632FCC1494}"/>
     <pc:docChg chg="undo custSel addSld delSld modSld">
-      <pc:chgData name="竹内 鉄也" userId="531998a7690f8f5a" providerId="LiveId" clId="{7A63C438-C024-4534-81F1-C3632FCC1494}" dt="2022-05-08T02:35:17.868" v="4590" actId="1076"/>
+      <pc:chgData name="竹内 鉄也" userId="531998a7690f8f5a" providerId="LiveId" clId="{7A63C438-C024-4534-81F1-C3632FCC1494}" dt="2022-05-08T07:15:50.214" v="5840"/>
       <pc:docMkLst>
         <pc:docMk/>
       </pc:docMkLst>
       <pc:sldChg chg="modSp mod">
-        <pc:chgData name="竹内 鉄也" userId="531998a7690f8f5a" providerId="LiveId" clId="{7A63C438-C024-4534-81F1-C3632FCC1494}" dt="2022-05-07T01:50:58.614" v="1546"/>
+        <pc:chgData name="竹内 鉄也" userId="531998a7690f8f5a" providerId="LiveId" clId="{7A63C438-C024-4534-81F1-C3632FCC1494}" dt="2022-05-08T06:39:57.781" v="4884"/>
         <pc:sldMkLst>
           <pc:docMk/>
           <pc:sldMk cId="3991835546" sldId="257"/>
@@ -144,7 +146,7 @@
           </ac:spMkLst>
         </pc:spChg>
         <pc:spChg chg="mod">
-          <ac:chgData name="竹内 鉄也" userId="531998a7690f8f5a" providerId="LiveId" clId="{7A63C438-C024-4534-81F1-C3632FCC1494}" dt="2022-05-07T01:50:58.614" v="1546"/>
+          <ac:chgData name="竹内 鉄也" userId="531998a7690f8f5a" providerId="LiveId" clId="{7A63C438-C024-4534-81F1-C3632FCC1494}" dt="2022-05-08T06:39:57.781" v="4884"/>
           <ac:spMkLst>
             <pc:docMk/>
             <pc:sldMk cId="3991835546" sldId="257"/>
@@ -153,7 +155,7 @@
         </pc:spChg>
       </pc:sldChg>
       <pc:sldChg chg="addSp delSp modSp new mod modClrScheme chgLayout">
-        <pc:chgData name="竹内 鉄也" userId="531998a7690f8f5a" providerId="LiveId" clId="{7A63C438-C024-4534-81F1-C3632FCC1494}" dt="2022-05-08T02:35:17.868" v="4590" actId="1076"/>
+        <pc:chgData name="竹内 鉄也" userId="531998a7690f8f5a" providerId="LiveId" clId="{7A63C438-C024-4534-81F1-C3632FCC1494}" dt="2022-05-08T06:57:51.131" v="5818"/>
         <pc:sldMkLst>
           <pc:docMk/>
           <pc:sldMk cId="1779982624" sldId="258"/>
@@ -166,6 +168,14 @@
             <ac:spMk id="2" creationId="{176728B9-8706-DCED-9872-AB71F4733B05}"/>
           </ac:spMkLst>
         </pc:spChg>
+        <pc:spChg chg="add mod ord">
+          <ac:chgData name="竹内 鉄也" userId="531998a7690f8f5a" providerId="LiveId" clId="{7A63C438-C024-4534-81F1-C3632FCC1494}" dt="2022-05-08T06:57:28.335" v="5804" actId="242"/>
+          <ac:spMkLst>
+            <pc:docMk/>
+            <pc:sldMk cId="1779982624" sldId="258"/>
+            <ac:spMk id="2" creationId="{DE4D2EE2-CFD7-5075-7232-081B348ACC5B}"/>
+          </ac:spMkLst>
+        </pc:spChg>
         <pc:spChg chg="del">
           <ac:chgData name="竹内 鉄也" userId="531998a7690f8f5a" providerId="LiveId" clId="{7A63C438-C024-4534-81F1-C3632FCC1494}" dt="2022-05-07T01:36:33.990" v="579" actId="700"/>
           <ac:spMkLst>
@@ -175,15 +185,39 @@
           </ac:spMkLst>
         </pc:spChg>
         <pc:spChg chg="add mod">
-          <ac:chgData name="竹内 鉄也" userId="531998a7690f8f5a" providerId="LiveId" clId="{7A63C438-C024-4534-81F1-C3632FCC1494}" dt="2022-05-08T02:35:17.868" v="4590" actId="1076"/>
+          <ac:chgData name="竹内 鉄也" userId="531998a7690f8f5a" providerId="LiveId" clId="{7A63C438-C024-4534-81F1-C3632FCC1494}" dt="2022-05-08T06:51:08.768" v="5286" actId="1076"/>
           <ac:spMkLst>
             <pc:docMk/>
             <pc:sldMk cId="1779982624" sldId="258"/>
             <ac:spMk id="4" creationId="{745B5667-67D6-313B-6C27-AA510817B1F0}"/>
           </ac:spMkLst>
         </pc:spChg>
+        <pc:spChg chg="add del mod ord">
+          <ac:chgData name="竹内 鉄也" userId="531998a7690f8f5a" providerId="LiveId" clId="{7A63C438-C024-4534-81F1-C3632FCC1494}" dt="2022-05-08T06:50:47.142" v="5280" actId="21"/>
+          <ac:spMkLst>
+            <pc:docMk/>
+            <pc:sldMk cId="1779982624" sldId="258"/>
+            <ac:spMk id="5" creationId="{95BD7F61-18B7-3837-4549-CD44972FCE10}"/>
+          </ac:spMkLst>
+        </pc:spChg>
+        <pc:spChg chg="add mod ord">
+          <ac:chgData name="竹内 鉄也" userId="531998a7690f8f5a" providerId="LiveId" clId="{7A63C438-C024-4534-81F1-C3632FCC1494}" dt="2022-05-08T06:57:39.801" v="5808" actId="122"/>
+          <ac:spMkLst>
+            <pc:docMk/>
+            <pc:sldMk cId="1779982624" sldId="258"/>
+            <ac:spMk id="6" creationId="{27D07FDD-438E-39BB-0BC6-A6395C4E104F}"/>
+          </ac:spMkLst>
+        </pc:spChg>
+        <pc:spChg chg="add mod">
+          <ac:chgData name="竹内 鉄也" userId="531998a7690f8f5a" providerId="LiveId" clId="{7A63C438-C024-4534-81F1-C3632FCC1494}" dt="2022-05-08T06:57:51.131" v="5818"/>
+          <ac:spMkLst>
+            <pc:docMk/>
+            <pc:sldMk cId="1779982624" sldId="258"/>
+            <ac:spMk id="7" creationId="{753776A8-556F-8863-350B-7556226C4D02}"/>
+          </ac:spMkLst>
+        </pc:spChg>
         <pc:picChg chg="add mod">
-          <ac:chgData name="竹内 鉄也" userId="531998a7690f8f5a" providerId="LiveId" clId="{7A63C438-C024-4534-81F1-C3632FCC1494}" dt="2022-05-08T02:31:31.922" v="4505" actId="931"/>
+          <ac:chgData name="竹内 鉄也" userId="531998a7690f8f5a" providerId="LiveId" clId="{7A63C438-C024-4534-81F1-C3632FCC1494}" dt="2022-05-08T06:50:56.292" v="5283" actId="1076"/>
           <ac:picMkLst>
             <pc:docMk/>
             <pc:sldMk cId="1779982624" sldId="258"/>
@@ -215,7 +249,7 @@
         </pc:spChg>
       </pc:sldChg>
       <pc:sldChg chg="addSp modSp new mod modClrScheme chgLayout">
-        <pc:chgData name="竹内 鉄也" userId="531998a7690f8f5a" providerId="LiveId" clId="{7A63C438-C024-4534-81F1-C3632FCC1494}" dt="2022-05-07T01:57:06.280" v="2061" actId="255"/>
+        <pc:chgData name="竹内 鉄也" userId="531998a7690f8f5a" providerId="LiveId" clId="{7A63C438-C024-4534-81F1-C3632FCC1494}" dt="2022-05-08T07:03:29.035" v="5825" actId="20577"/>
         <pc:sldMkLst>
           <pc:docMk/>
           <pc:sldMk cId="3385858787" sldId="259"/>
@@ -229,7 +263,7 @@
           </ac:spMkLst>
         </pc:spChg>
         <pc:spChg chg="add mod">
-          <ac:chgData name="竹内 鉄也" userId="531998a7690f8f5a" providerId="LiveId" clId="{7A63C438-C024-4534-81F1-C3632FCC1494}" dt="2022-05-07T01:57:06.280" v="2061" actId="255"/>
+          <ac:chgData name="竹内 鉄也" userId="531998a7690f8f5a" providerId="LiveId" clId="{7A63C438-C024-4534-81F1-C3632FCC1494}" dt="2022-05-08T07:03:29.035" v="5825" actId="20577"/>
           <ac:spMkLst>
             <pc:docMk/>
             <pc:sldMk cId="3385858787" sldId="259"/>
@@ -261,13 +295,13 @@
         </pc:spChg>
       </pc:sldChg>
       <pc:sldChg chg="modSp new mod">
-        <pc:chgData name="竹内 鉄也" userId="531998a7690f8f5a" providerId="LiveId" clId="{7A63C438-C024-4534-81F1-C3632FCC1494}" dt="2022-05-07T03:22:01.549" v="2416" actId="2710"/>
+        <pc:chgData name="竹内 鉄也" userId="531998a7690f8f5a" providerId="LiveId" clId="{7A63C438-C024-4534-81F1-C3632FCC1494}" dt="2022-05-08T06:48:24.125" v="5246" actId="20577"/>
         <pc:sldMkLst>
           <pc:docMk/>
           <pc:sldMk cId="2071354840" sldId="261"/>
         </pc:sldMkLst>
         <pc:spChg chg="mod">
-          <ac:chgData name="竹内 鉄也" userId="531998a7690f8f5a" providerId="LiveId" clId="{7A63C438-C024-4534-81F1-C3632FCC1494}" dt="2022-05-07T01:59:37.592" v="2160"/>
+          <ac:chgData name="竹内 鉄也" userId="531998a7690f8f5a" providerId="LiveId" clId="{7A63C438-C024-4534-81F1-C3632FCC1494}" dt="2022-05-08T06:48:24.125" v="5246" actId="20577"/>
           <ac:spMkLst>
             <pc:docMk/>
             <pc:sldMk cId="2071354840" sldId="261"/>
@@ -307,7 +341,7 @@
         </pc:spChg>
       </pc:sldChg>
       <pc:sldChg chg="modSp new mod">
-        <pc:chgData name="竹内 鉄也" userId="531998a7690f8f5a" providerId="LiveId" clId="{7A63C438-C024-4534-81F1-C3632FCC1494}" dt="2022-05-07T03:41:49.370" v="3446" actId="120"/>
+        <pc:chgData name="竹内 鉄也" userId="531998a7690f8f5a" providerId="LiveId" clId="{7A63C438-C024-4534-81F1-C3632FCC1494}" dt="2022-05-08T06:47:13.120" v="5188"/>
         <pc:sldMkLst>
           <pc:docMk/>
           <pc:sldMk cId="3878973450" sldId="263"/>
@@ -321,7 +355,7 @@
           </ac:spMkLst>
         </pc:spChg>
         <pc:spChg chg="mod">
-          <ac:chgData name="竹内 鉄也" userId="531998a7690f8f5a" providerId="LiveId" clId="{7A63C438-C024-4534-81F1-C3632FCC1494}" dt="2022-05-07T03:41:49.370" v="3446" actId="120"/>
+          <ac:chgData name="竹内 鉄也" userId="531998a7690f8f5a" providerId="LiveId" clId="{7A63C438-C024-4534-81F1-C3632FCC1494}" dt="2022-05-08T06:47:13.120" v="5188"/>
           <ac:spMkLst>
             <pc:docMk/>
             <pc:sldMk cId="3878973450" sldId="263"/>
@@ -349,6 +383,60 @@
             <pc:docMk/>
             <pc:sldMk cId="1709412594" sldId="264"/>
             <ac:spMk id="3" creationId="{5DE42498-B3B4-BD00-9846-1ED22AD6D33F}"/>
+          </ac:spMkLst>
+        </pc:spChg>
+      </pc:sldChg>
+      <pc:sldChg chg="addSp delSp modSp new mod modClrScheme chgLayout">
+        <pc:chgData name="竹内 鉄也" userId="531998a7690f8f5a" providerId="LiveId" clId="{7A63C438-C024-4534-81F1-C3632FCC1494}" dt="2022-05-08T06:49:05.910" v="5275" actId="255"/>
+        <pc:sldMkLst>
+          <pc:docMk/>
+          <pc:sldMk cId="141146353" sldId="265"/>
+        </pc:sldMkLst>
+        <pc:spChg chg="del mod ord">
+          <ac:chgData name="竹内 鉄也" userId="531998a7690f8f5a" providerId="LiveId" clId="{7A63C438-C024-4534-81F1-C3632FCC1494}" dt="2022-05-08T06:47:43.266" v="5190" actId="700"/>
+          <ac:spMkLst>
+            <pc:docMk/>
+            <pc:sldMk cId="141146353" sldId="265"/>
+            <ac:spMk id="2" creationId="{A999C0FC-E126-BEFB-F06D-6F94DF577A62}"/>
+          </ac:spMkLst>
+        </pc:spChg>
+        <pc:spChg chg="del mod ord">
+          <ac:chgData name="竹内 鉄也" userId="531998a7690f8f5a" providerId="LiveId" clId="{7A63C438-C024-4534-81F1-C3632FCC1494}" dt="2022-05-08T06:47:43.266" v="5190" actId="700"/>
+          <ac:spMkLst>
+            <pc:docMk/>
+            <pc:sldMk cId="141146353" sldId="265"/>
+            <ac:spMk id="3" creationId="{A5891C01-6E84-6B62-6DAA-E8DFB1861540}"/>
+          </ac:spMkLst>
+        </pc:spChg>
+        <pc:spChg chg="add mod ord">
+          <ac:chgData name="竹内 鉄也" userId="531998a7690f8f5a" providerId="LiveId" clId="{7A63C438-C024-4534-81F1-C3632FCC1494}" dt="2022-05-08T06:48:14.753" v="5236"/>
+          <ac:spMkLst>
+            <pc:docMk/>
+            <pc:sldMk cId="141146353" sldId="265"/>
+            <ac:spMk id="4" creationId="{B7AE8171-CCC8-7221-F257-AFE021F61873}"/>
+          </ac:spMkLst>
+        </pc:spChg>
+        <pc:spChg chg="add mod ord">
+          <ac:chgData name="竹内 鉄也" userId="531998a7690f8f5a" providerId="LiveId" clId="{7A63C438-C024-4534-81F1-C3632FCC1494}" dt="2022-05-08T06:49:05.910" v="5275" actId="255"/>
+          <ac:spMkLst>
+            <pc:docMk/>
+            <pc:sldMk cId="141146353" sldId="265"/>
+            <ac:spMk id="5" creationId="{77BF551B-639B-8995-FAC3-BC8046F7E7B6}"/>
+          </ac:spMkLst>
+        </pc:spChg>
+      </pc:sldChg>
+      <pc:sldChg chg="modSp new mod">
+        <pc:chgData name="竹内 鉄也" userId="531998a7690f8f5a" providerId="LiveId" clId="{7A63C438-C024-4534-81F1-C3632FCC1494}" dt="2022-05-08T07:15:50.214" v="5840"/>
+        <pc:sldMkLst>
+          <pc:docMk/>
+          <pc:sldMk cId="2434412544" sldId="266"/>
+        </pc:sldMkLst>
+        <pc:spChg chg="mod">
+          <ac:chgData name="竹内 鉄也" userId="531998a7690f8f5a" providerId="LiveId" clId="{7A63C438-C024-4534-81F1-C3632FCC1494}" dt="2022-05-08T07:15:50.214" v="5840"/>
+          <ac:spMkLst>
+            <pc:docMk/>
+            <pc:sldMk cId="2434412544" sldId="266"/>
+            <ac:spMk id="2" creationId="{FBCD2955-6150-D300-3169-8E094E93D4E0}"/>
           </ac:spMkLst>
         </pc:spChg>
       </pc:sldChg>
@@ -3958,6 +4046,270 @@
 </p:sld>
 </file>
 
+<file path=ppt/slides/slide10.xml><?xml version="1.0" encoding="utf-8"?>
+<p:sld xmlns:a="http://schemas.openxmlformats.org/drawingml/2006/main" xmlns:r="http://schemas.openxmlformats.org/officeDocument/2006/relationships" xmlns:p="http://schemas.openxmlformats.org/presentationml/2006/main">
+  <p:cSld>
+    <p:spTree>
+      <p:nvGrpSpPr>
+        <p:cNvPr id="1" name=""/>
+        <p:cNvGrpSpPr/>
+        <p:nvPr/>
+      </p:nvGrpSpPr>
+      <p:grpSpPr>
+        <a:xfrm>
+          <a:off x="0" y="0"/>
+          <a:ext cx="0" cy="0"/>
+          <a:chOff x="0" y="0"/>
+          <a:chExt cx="0" cy="0"/>
+        </a:xfrm>
+      </p:grpSpPr>
+      <p:sp>
+        <p:nvSpPr>
+          <p:cNvPr id="2" name="タイトル 1">
+            <a:extLst>
+              <a:ext uri="{FF2B5EF4-FFF2-40B4-BE49-F238E27FC236}">
+                <a16:creationId xmlns:a16="http://schemas.microsoft.com/office/drawing/2014/main" id="{4EC43B7D-3CF8-72C4-4DF7-D6AA4D86E813}"/>
+              </a:ext>
+            </a:extLst>
+          </p:cNvPr>
+          <p:cNvSpPr>
+            <a:spLocks noGrp="1"/>
+          </p:cNvSpPr>
+          <p:nvPr>
+            <p:ph type="title"/>
+          </p:nvPr>
+        </p:nvSpPr>
+        <p:spPr/>
+        <p:txBody>
+          <a:bodyPr/>
+          <a:lstStyle/>
+          <a:p>
+            <a:r>
+              <a:rPr kumimoji="1" lang="ja-JP" altLang="en-US" dirty="0"/>
+              <a:t>デザイン</a:t>
+            </a:r>
+          </a:p>
+        </p:txBody>
+      </p:sp>
+      <p:sp>
+        <p:nvSpPr>
+          <p:cNvPr id="3" name="コンテンツ プレースホルダー 2">
+            <a:extLst>
+              <a:ext uri="{FF2B5EF4-FFF2-40B4-BE49-F238E27FC236}">
+                <a16:creationId xmlns:a16="http://schemas.microsoft.com/office/drawing/2014/main" id="{CB111BC9-E2A2-59B7-9B20-DB006B76A3D7}"/>
+              </a:ext>
+            </a:extLst>
+          </p:cNvPr>
+          <p:cNvSpPr>
+            <a:spLocks noGrp="1"/>
+          </p:cNvSpPr>
+          <p:nvPr>
+            <p:ph idx="1"/>
+          </p:nvPr>
+        </p:nvSpPr>
+        <p:spPr/>
+        <p:txBody>
+          <a:bodyPr/>
+          <a:lstStyle/>
+          <a:p>
+            <a:pPr>
+              <a:lnSpc>
+                <a:spcPct val="150000"/>
+              </a:lnSpc>
+            </a:pPr>
+            <a:r>
+              <a:rPr kumimoji="1" lang="ja-JP" altLang="en-US" dirty="0"/>
+              <a:t>シンプルなデザインを目指した反面、なんだかさみしい印象になってしまった</a:t>
+            </a:r>
+            <a:endParaRPr kumimoji="1" lang="en-US" altLang="ja-JP" dirty="0"/>
+          </a:p>
+          <a:p>
+            <a:pPr>
+              <a:lnSpc>
+                <a:spcPct val="150000"/>
+              </a:lnSpc>
+            </a:pPr>
+            <a:r>
+              <a:rPr kumimoji="1" lang="ja-JP" altLang="en-US" dirty="0"/>
+              <a:t>スマートさに欠ける印象（</a:t>
+            </a:r>
+            <a:r>
+              <a:rPr kumimoji="1" lang="en-US" altLang="ja-JP" dirty="0"/>
+              <a:t>PC</a:t>
+            </a:r>
+            <a:r>
+              <a:rPr kumimoji="1" lang="ja-JP" altLang="en-US" dirty="0"/>
+              <a:t>画面時）</a:t>
+            </a:r>
+            <a:endParaRPr kumimoji="1" lang="en-US" altLang="ja-JP" dirty="0"/>
+          </a:p>
+          <a:p>
+            <a:pPr>
+              <a:lnSpc>
+                <a:spcPct val="150000"/>
+              </a:lnSpc>
+            </a:pPr>
+            <a:r>
+              <a:rPr kumimoji="1" lang="ja-JP" altLang="en-US" dirty="0"/>
+              <a:t>ボーダーを付ける等してメリハリをつける</a:t>
+            </a:r>
+            <a:endParaRPr kumimoji="1" lang="en-US" altLang="ja-JP" dirty="0"/>
+          </a:p>
+          <a:p>
+            <a:pPr>
+              <a:lnSpc>
+                <a:spcPct val="150000"/>
+              </a:lnSpc>
+            </a:pPr>
+            <a:r>
+              <a:rPr kumimoji="1" lang="ja-JP" altLang="en-US" dirty="0"/>
+              <a:t>写真とチャットスペースの大きさを変更するなど、よりどちらにもスポットを置くことが可能なデザインにしたい</a:t>
+            </a:r>
+            <a:endParaRPr kumimoji="1" lang="en-US" altLang="ja-JP" dirty="0"/>
+          </a:p>
+          <a:p>
+            <a:pPr marL="0" indent="0">
+              <a:buNone/>
+            </a:pPr>
+            <a:endParaRPr lang="en-US" altLang="ja-JP" dirty="0"/>
+          </a:p>
+          <a:p>
+            <a:endParaRPr kumimoji="1" lang="en-US" altLang="ja-JP" dirty="0"/>
+          </a:p>
+        </p:txBody>
+      </p:sp>
+    </p:spTree>
+    <p:extLst>
+      <p:ext uri="{BB962C8B-B14F-4D97-AF65-F5344CB8AC3E}">
+        <p14:creationId xmlns:p14="http://schemas.microsoft.com/office/powerpoint/2010/main" val="3878973450"/>
+      </p:ext>
+    </p:extLst>
+  </p:cSld>
+  <p:clrMapOvr>
+    <a:masterClrMapping/>
+  </p:clrMapOvr>
+</p:sld>
+</file>
+
+<file path=ppt/slides/slide11.xml><?xml version="1.0" encoding="utf-8"?>
+<p:sld xmlns:a="http://schemas.openxmlformats.org/drawingml/2006/main" xmlns:r="http://schemas.openxmlformats.org/officeDocument/2006/relationships" xmlns:p="http://schemas.openxmlformats.org/presentationml/2006/main">
+  <p:cSld>
+    <p:spTree>
+      <p:nvGrpSpPr>
+        <p:cNvPr id="1" name=""/>
+        <p:cNvGrpSpPr/>
+        <p:nvPr/>
+      </p:nvGrpSpPr>
+      <p:grpSpPr>
+        <a:xfrm>
+          <a:off x="0" y="0"/>
+          <a:ext cx="0" cy="0"/>
+          <a:chOff x="0" y="0"/>
+          <a:chExt cx="0" cy="0"/>
+        </a:xfrm>
+      </p:grpSpPr>
+      <p:sp>
+        <p:nvSpPr>
+          <p:cNvPr id="2" name="タイトル 1">
+            <a:extLst>
+              <a:ext uri="{FF2B5EF4-FFF2-40B4-BE49-F238E27FC236}">
+                <a16:creationId xmlns:a16="http://schemas.microsoft.com/office/drawing/2014/main" id="{52004802-A2B2-AB51-E082-8E9EC516087C}"/>
+              </a:ext>
+            </a:extLst>
+          </p:cNvPr>
+          <p:cNvSpPr>
+            <a:spLocks noGrp="1"/>
+          </p:cNvSpPr>
+          <p:nvPr>
+            <p:ph type="title"/>
+          </p:nvPr>
+        </p:nvSpPr>
+        <p:spPr/>
+        <p:txBody>
+          <a:bodyPr/>
+          <a:lstStyle/>
+          <a:p>
+            <a:r>
+              <a:rPr kumimoji="1" lang="ja-JP" altLang="en-US" dirty="0"/>
+              <a:t>作ってみての反省点</a:t>
+            </a:r>
+          </a:p>
+        </p:txBody>
+      </p:sp>
+      <p:sp>
+        <p:nvSpPr>
+          <p:cNvPr id="3" name="コンテンツ プレースホルダー 2">
+            <a:extLst>
+              <a:ext uri="{FF2B5EF4-FFF2-40B4-BE49-F238E27FC236}">
+                <a16:creationId xmlns:a16="http://schemas.microsoft.com/office/drawing/2014/main" id="{5DE42498-B3B4-BD00-9846-1ED22AD6D33F}"/>
+              </a:ext>
+            </a:extLst>
+          </p:cNvPr>
+          <p:cNvSpPr>
+            <a:spLocks noGrp="1"/>
+          </p:cNvSpPr>
+          <p:nvPr>
+            <p:ph idx="1"/>
+          </p:nvPr>
+        </p:nvSpPr>
+        <p:spPr/>
+        <p:txBody>
+          <a:bodyPr/>
+          <a:lstStyle/>
+          <a:p>
+            <a:pPr>
+              <a:lnSpc>
+                <a:spcPct val="150000"/>
+              </a:lnSpc>
+            </a:pPr>
+            <a:r>
+              <a:rPr kumimoji="1" lang="en-US" altLang="ja-JP" dirty="0"/>
+              <a:t>Laravel</a:t>
+            </a:r>
+            <a:r>
+              <a:rPr kumimoji="1" lang="ja-JP" altLang="en-US" dirty="0"/>
+              <a:t>の機能（マイグレーション等）や</a:t>
+            </a:r>
+            <a:r>
+              <a:rPr kumimoji="1" lang="en-US" altLang="ja-JP" dirty="0"/>
+              <a:t>Bootstrap</a:t>
+            </a:r>
+            <a:r>
+              <a:rPr kumimoji="1" lang="ja-JP" altLang="en-US" dirty="0"/>
+              <a:t>を活用すれば、より必要な機能の充実に時間を使えた</a:t>
+            </a:r>
+            <a:r>
+              <a:rPr kumimoji="1" lang="ja-JP" altLang="en-US"/>
+              <a:t>と思う</a:t>
+            </a:r>
+            <a:endParaRPr kumimoji="1" lang="en-US" altLang="ja-JP" dirty="0"/>
+          </a:p>
+          <a:p>
+            <a:pPr>
+              <a:lnSpc>
+                <a:spcPct val="150000"/>
+              </a:lnSpc>
+            </a:pPr>
+            <a:r>
+              <a:rPr kumimoji="1" lang="ja-JP" altLang="en-US" dirty="0"/>
+              <a:t>着想自体は良かったと考えているので、今後も色々な機能を実装していきたい</a:t>
+            </a:r>
+          </a:p>
+        </p:txBody>
+      </p:sp>
+    </p:spTree>
+    <p:extLst>
+      <p:ext uri="{BB962C8B-B14F-4D97-AF65-F5344CB8AC3E}">
+        <p14:creationId xmlns:p14="http://schemas.microsoft.com/office/powerpoint/2010/main" val="1709412594"/>
+      </p:ext>
+    </p:extLst>
+  </p:cSld>
+  <p:clrMapOvr>
+    <a:masterClrMapping/>
+  </p:clrMapOvr>
+</p:sld>
+</file>
+
 <file path=ppt/slides/slide2.xml><?xml version="1.0" encoding="utf-8"?>
 <p:sld xmlns:a="http://schemas.openxmlformats.org/drawingml/2006/main" xmlns:r="http://schemas.openxmlformats.org/officeDocument/2006/relationships" xmlns:p="http://schemas.openxmlformats.org/presentationml/2006/main">
   <p:cSld>
@@ -4022,7 +4374,7 @@
         <p:spPr/>
         <p:txBody>
           <a:bodyPr>
-            <a:normAutofit/>
+            <a:normAutofit fontScale="92500"/>
           </a:bodyPr>
           <a:lstStyle/>
           <a:p>
@@ -4045,7 +4397,15 @@
             </a:pPr>
             <a:r>
               <a:rPr kumimoji="1" lang="ja-JP" altLang="en-US" dirty="0"/>
-              <a:t>友達のうっかりミスが作成のきっかけ</a:t>
+              <a:t>不特定多数の人物と交流できるアプリではなく、平均</a:t>
+            </a:r>
+            <a:r>
+              <a:rPr kumimoji="1" lang="en-US" altLang="ja-JP" dirty="0"/>
+              <a:t>5</a:t>
+            </a:r>
+            <a:r>
+              <a:rPr kumimoji="1" lang="ja-JP" altLang="en-US" dirty="0"/>
+              <a:t>人程度のグループを対象としたチャットアプリ</a:t>
             </a:r>
             <a:endParaRPr kumimoji="1" lang="en-US" altLang="ja-JP" dirty="0"/>
           </a:p>
@@ -4056,16 +4416,12 @@
               </a:lnSpc>
             </a:pPr>
             <a:r>
+              <a:rPr kumimoji="1" lang="en-US" altLang="ja-JP" dirty="0"/>
+              <a:t>Instagram</a:t>
+            </a:r>
+            <a:r>
               <a:rPr kumimoji="1" lang="ja-JP" altLang="en-US" dirty="0"/>
-              <a:t>不特定多数の人物と交流できるアプリではなく、平均</a:t>
-            </a:r>
-            <a:r>
-              <a:rPr kumimoji="1" lang="en-US" altLang="ja-JP" dirty="0"/>
-              <a:t>5</a:t>
-            </a:r>
-            <a:r>
-              <a:rPr kumimoji="1" lang="ja-JP" altLang="en-US" dirty="0"/>
-              <a:t>人程度のグループを対象としたチャットアプリ</a:t>
+              <a:t>のように写真、動画といったコンテンツをメインに設計</a:t>
             </a:r>
             <a:endParaRPr kumimoji="1" lang="en-US" altLang="ja-JP" dirty="0"/>
           </a:p>
@@ -4076,12 +4432,24 @@
               </a:lnSpc>
             </a:pPr>
             <a:r>
+              <a:rPr kumimoji="1" lang="ja-JP" altLang="en-US" dirty="0"/>
+              <a:t>ジャグリング仲間が公演で初披露する大技を</a:t>
+            </a:r>
+            <a:r>
               <a:rPr kumimoji="1" lang="en-US" altLang="ja-JP" dirty="0"/>
-              <a:t>Instagram</a:t>
+              <a:t>Twitter</a:t>
             </a:r>
             <a:r>
               <a:rPr kumimoji="1" lang="ja-JP" altLang="en-US" dirty="0"/>
-              <a:t>のように写真、動画といったコンテンツをメインに設計</a:t>
+              <a:t>の</a:t>
+            </a:r>
+            <a:r>
+              <a:rPr kumimoji="1" lang="en-US" altLang="ja-JP" dirty="0"/>
+              <a:t>DM</a:t>
+            </a:r>
+            <a:r>
+              <a:rPr kumimoji="1" lang="ja-JP" altLang="en-US" dirty="0"/>
+              <a:t>で送ってきたのが作成のきっかけ</a:t>
             </a:r>
             <a:endParaRPr kumimoji="1" lang="en-US" altLang="ja-JP" dirty="0"/>
           </a:p>
@@ -4145,8 +4513,8 @@
         </p:blipFill>
         <p:spPr>
           <a:xfrm>
-            <a:off x="1588559" y="0"/>
-            <a:ext cx="9014881" cy="6858000"/>
+            <a:off x="4772025" y="624980"/>
+            <a:ext cx="6929029" cy="5271204"/>
           </a:xfrm>
           <a:prstGeom prst="rect">
             <a:avLst/>
@@ -4167,8 +4535,8 @@
         </p:nvSpPr>
         <p:spPr>
           <a:xfrm>
-            <a:off x="6506630" y="3765850"/>
-            <a:ext cx="2511535" cy="2467170"/>
+            <a:off x="8456103" y="3429000"/>
+            <a:ext cx="1996580" cy="1961311"/>
           </a:xfrm>
           <a:prstGeom prst="ellipse">
             <a:avLst/>
@@ -4203,6 +4571,199 @@
           <a:p>
             <a:pPr algn="ctr"/>
             <a:endParaRPr kumimoji="1" lang="ja-JP" altLang="en-US"/>
+          </a:p>
+        </p:txBody>
+      </p:sp>
+      <p:sp>
+        <p:nvSpPr>
+          <p:cNvPr id="2" name="タイトル 1">
+            <a:extLst>
+              <a:ext uri="{FF2B5EF4-FFF2-40B4-BE49-F238E27FC236}">
+                <a16:creationId xmlns:a16="http://schemas.microsoft.com/office/drawing/2014/main" id="{DE4D2EE2-CFD7-5075-7232-081B348ACC5B}"/>
+              </a:ext>
+            </a:extLst>
+          </p:cNvPr>
+          <p:cNvSpPr>
+            <a:spLocks noGrp="1"/>
+          </p:cNvSpPr>
+          <p:nvPr>
+            <p:ph type="title"/>
+          </p:nvPr>
+        </p:nvSpPr>
+        <p:spPr/>
+        <p:txBody>
+          <a:bodyPr anchor="ctr">
+            <a:normAutofit/>
+          </a:bodyPr>
+          <a:lstStyle/>
+          <a:p>
+            <a:pPr algn="dist"/>
+            <a:r>
+              <a:rPr lang="ja-JP" altLang="en-US" sz="3600" dirty="0"/>
+              <a:t>独自の</a:t>
+            </a:r>
+            <a:r>
+              <a:rPr lang="en-US" altLang="ja-JP" sz="3600" dirty="0"/>
+              <a:t>SNS</a:t>
+            </a:r>
+            <a:r>
+              <a:rPr lang="ja-JP" altLang="en-US" sz="3600" dirty="0"/>
+              <a:t>分析</a:t>
+            </a:r>
+          </a:p>
+        </p:txBody>
+      </p:sp>
+      <p:sp>
+        <p:nvSpPr>
+          <p:cNvPr id="6" name="テキスト プレースホルダー 5">
+            <a:extLst>
+              <a:ext uri="{FF2B5EF4-FFF2-40B4-BE49-F238E27FC236}">
+                <a16:creationId xmlns:a16="http://schemas.microsoft.com/office/drawing/2014/main" id="{27D07FDD-438E-39BB-0BC6-A6395C4E104F}"/>
+              </a:ext>
+            </a:extLst>
+          </p:cNvPr>
+          <p:cNvSpPr>
+            <a:spLocks noGrp="1"/>
+          </p:cNvSpPr>
+          <p:nvPr>
+            <p:ph type="body" sz="half" idx="2"/>
+          </p:nvPr>
+        </p:nvSpPr>
+        <p:spPr/>
+        <p:txBody>
+          <a:bodyPr>
+            <a:normAutofit/>
+          </a:bodyPr>
+          <a:lstStyle/>
+          <a:p>
+            <a:pPr algn="ctr">
+              <a:lnSpc>
+                <a:spcPct val="150000"/>
+              </a:lnSpc>
+            </a:pPr>
+            <a:r>
+              <a:rPr lang="ja-JP" altLang="en-US" dirty="0"/>
+              <a:t>限られた範囲内でやり取りできるアプリ</a:t>
+            </a:r>
+            <a:r>
+              <a:rPr lang="en-US" altLang="ja-JP" dirty="0"/>
+              <a:t>(</a:t>
+            </a:r>
+            <a:r>
+              <a:rPr lang="ja-JP" altLang="en-US" dirty="0"/>
+              <a:t>クローズチャット</a:t>
+            </a:r>
+            <a:r>
+              <a:rPr lang="en-US" altLang="ja-JP" dirty="0"/>
+              <a:t>)</a:t>
+            </a:r>
+            <a:r>
+              <a:rPr lang="ja-JP" altLang="en-US" dirty="0"/>
+              <a:t>が存在しない！</a:t>
+            </a:r>
+            <a:endParaRPr lang="en-US" altLang="ja-JP" dirty="0"/>
+          </a:p>
+          <a:p>
+            <a:pPr marL="285750" indent="-285750">
+              <a:lnSpc>
+                <a:spcPct val="150000"/>
+              </a:lnSpc>
+              <a:buFont typeface="Arial" panose="020B0604020202020204" pitchFamily="34" charset="0"/>
+              <a:buChar char="•"/>
+            </a:pPr>
+            <a:endParaRPr lang="en-US" altLang="ja-JP" b="1" dirty="0"/>
+          </a:p>
+          <a:p>
+            <a:pPr marL="285750" indent="-285750">
+              <a:lnSpc>
+                <a:spcPct val="150000"/>
+              </a:lnSpc>
+              <a:buFont typeface="Arial" panose="020B0604020202020204" pitchFamily="34" charset="0"/>
+              <a:buChar char="•"/>
+            </a:pPr>
+            <a:endParaRPr lang="en-US" altLang="ja-JP" b="1" dirty="0"/>
+          </a:p>
+          <a:p>
+            <a:pPr marL="285750" indent="-285750">
+              <a:lnSpc>
+                <a:spcPct val="150000"/>
+              </a:lnSpc>
+              <a:buFont typeface="Arial" panose="020B0604020202020204" pitchFamily="34" charset="0"/>
+              <a:buChar char="•"/>
+            </a:pPr>
+            <a:endParaRPr lang="en-US" altLang="ja-JP" b="1" dirty="0"/>
+          </a:p>
+          <a:p>
+            <a:pPr algn="ctr">
+              <a:lnSpc>
+                <a:spcPct val="150000"/>
+              </a:lnSpc>
+            </a:pPr>
+            <a:r>
+              <a:rPr lang="ja-JP" altLang="en-US" sz="2400" b="1" dirty="0"/>
+              <a:t>需要ありそうだし、</a:t>
+            </a:r>
+            <a:endParaRPr lang="en-US" altLang="ja-JP" sz="2400" b="1" dirty="0"/>
+          </a:p>
+          <a:p>
+            <a:pPr algn="ctr">
+              <a:lnSpc>
+                <a:spcPct val="150000"/>
+              </a:lnSpc>
+            </a:pPr>
+            <a:r>
+              <a:rPr lang="ja-JP" altLang="en-US" sz="2400" b="1" dirty="0"/>
+              <a:t>作ってみましょう！</a:t>
+            </a:r>
+          </a:p>
+        </p:txBody>
+      </p:sp>
+      <p:sp>
+        <p:nvSpPr>
+          <p:cNvPr id="7" name="矢印: 下 6">
+            <a:extLst>
+              <a:ext uri="{FF2B5EF4-FFF2-40B4-BE49-F238E27FC236}">
+                <a16:creationId xmlns:a16="http://schemas.microsoft.com/office/drawing/2014/main" id="{753776A8-556F-8863-350B-7556226C4D02}"/>
+              </a:ext>
+            </a:extLst>
+          </p:cNvPr>
+          <p:cNvSpPr/>
+          <p:nvPr/>
+        </p:nvSpPr>
+        <p:spPr>
+          <a:xfrm>
+            <a:off x="1739317" y="3139445"/>
+            <a:ext cx="1853967" cy="1036309"/>
+          </a:xfrm>
+          <a:prstGeom prst="downArrow">
+            <a:avLst/>
+          </a:prstGeom>
+        </p:spPr>
+        <p:style>
+          <a:lnRef idx="2">
+            <a:schemeClr val="accent1">
+              <a:shade val="50000"/>
+            </a:schemeClr>
+          </a:lnRef>
+          <a:fillRef idx="1">
+            <a:schemeClr val="accent1"/>
+          </a:fillRef>
+          <a:effectRef idx="0">
+            <a:schemeClr val="accent1"/>
+          </a:effectRef>
+          <a:fontRef idx="minor">
+            <a:schemeClr val="lt1"/>
+          </a:fontRef>
+        </p:style>
+        <p:txBody>
+          <a:bodyPr rtlCol="0" anchor="ctr"/>
+          <a:lstStyle/>
+          <a:p>
+            <a:pPr algn="ctr"/>
+            <a:r>
+              <a:rPr kumimoji="1" lang="ja-JP" altLang="en-US" dirty="0"/>
+              <a:t>ならば</a:t>
+            </a:r>
           </a:p>
         </p:txBody>
       </p:sp>
@@ -4280,7 +4841,12 @@
             <p:ph idx="1"/>
           </p:nvPr>
         </p:nvSpPr>
-        <p:spPr/>
+        <p:spPr>
+          <a:xfrm>
+            <a:off x="838200" y="1825625"/>
+            <a:ext cx="10515600" cy="4667250"/>
+          </a:xfrm>
+        </p:spPr>
         <p:txBody>
           <a:bodyPr>
             <a:noAutofit/>
@@ -4315,6 +4881,15 @@
             <a:endParaRPr lang="en-US" altLang="ja-JP" sz="2500" dirty="0"/>
           </a:p>
           <a:p>
+            <a:pPr marL="0" indent="0">
+              <a:lnSpc>
+                <a:spcPct val="150000"/>
+              </a:lnSpc>
+              <a:buNone/>
+            </a:pPr>
+            <a:endParaRPr lang="en-US" altLang="ja-JP" sz="2500" dirty="0"/>
+          </a:p>
+          <a:p>
             <a:pPr>
               <a:lnSpc>
                 <a:spcPct val="150000"/>
@@ -4322,15 +4897,7 @@
             </a:pPr>
             <a:r>
               <a:rPr lang="ja-JP" altLang="en-US" sz="2500" dirty="0"/>
-              <a:t>特に</a:t>
-            </a:r>
-            <a:r>
-              <a:rPr lang="en-US" altLang="ja-JP" sz="2500" dirty="0"/>
-              <a:t>Twitter</a:t>
-            </a:r>
-            <a:r>
-              <a:rPr lang="ja-JP" altLang="en-US" sz="2500" dirty="0"/>
-              <a:t>等不特定多数の人物と繋がる事が出来る</a:t>
+              <a:t>不特定多数の人物と繋がる事が出来る</a:t>
             </a:r>
             <a:r>
               <a:rPr lang="en-US" altLang="ja-JP" sz="2500" dirty="0"/>
@@ -4340,6 +4907,15 @@
               <a:rPr lang="ja-JP" altLang="en-US" sz="2500" dirty="0"/>
               <a:t>が苦手だったり、限られた範囲内での交友関係を楽しみたい方向け</a:t>
             </a:r>
+            <a:endParaRPr lang="en-US" altLang="ja-JP" sz="2500" dirty="0"/>
+          </a:p>
+          <a:p>
+            <a:pPr marL="0" indent="0">
+              <a:lnSpc>
+                <a:spcPct val="150000"/>
+              </a:lnSpc>
+              <a:buNone/>
+            </a:pPr>
             <a:endParaRPr lang="en-US" altLang="ja-JP" sz="2500" dirty="0"/>
           </a:p>
           <a:p>
@@ -4353,17 +4929,6 @@
               <a:t>ビジネスでのユースケースとしては無形商品（金融サービスなど）の紹介</a:t>
             </a:r>
             <a:endParaRPr lang="en-US" altLang="ja-JP" sz="2500" dirty="0"/>
-          </a:p>
-          <a:p>
-            <a:pPr>
-              <a:lnSpc>
-                <a:spcPct val="150000"/>
-              </a:lnSpc>
-            </a:pPr>
-            <a:r>
-              <a:rPr lang="ja-JP" altLang="en-US" sz="2500" dirty="0"/>
-              <a:t>写真がセットになるため、複雑なサービスも図示しながら説明が可能</a:t>
-            </a:r>
           </a:p>
         </p:txBody>
       </p:sp>
@@ -4402,49 +4967,15 @@
           <p:cNvPr id="2" name="タイトル 1">
             <a:extLst>
               <a:ext uri="{FF2B5EF4-FFF2-40B4-BE49-F238E27FC236}">
-                <a16:creationId xmlns:a16="http://schemas.microsoft.com/office/drawing/2014/main" id="{BA6D59F6-3DA7-4860-EF04-DB713BCAEA25}"/>
-              </a:ext>
-            </a:extLst>
-          </p:cNvPr>
-          <p:cNvSpPr>
-            <a:spLocks noGrp="1"/>
-          </p:cNvSpPr>
-          <p:nvPr>
-            <p:ph type="title"/>
-          </p:nvPr>
-        </p:nvSpPr>
-        <p:spPr>
-          <a:xfrm>
-            <a:off x="689237" y="842168"/>
-            <a:ext cx="10515600" cy="2852737"/>
-          </a:xfrm>
-        </p:spPr>
-        <p:txBody>
-          <a:bodyPr/>
-          <a:lstStyle/>
-          <a:p>
-            <a:pPr algn="ctr"/>
-            <a:r>
-              <a:rPr kumimoji="1" lang="ja-JP" altLang="en-US" b="1" dirty="0"/>
-              <a:t>今後の展望</a:t>
-            </a:r>
-          </a:p>
-        </p:txBody>
-      </p:sp>
-      <p:sp>
-        <p:nvSpPr>
-          <p:cNvPr id="3" name="テキスト プレースホルダー 2">
-            <a:extLst>
-              <a:ext uri="{FF2B5EF4-FFF2-40B4-BE49-F238E27FC236}">
-                <a16:creationId xmlns:a16="http://schemas.microsoft.com/office/drawing/2014/main" id="{0762E3D3-BE9D-9972-D398-82DEA4EA8BB5}"/>
-              </a:ext>
-            </a:extLst>
-          </p:cNvPr>
-          <p:cNvSpPr>
-            <a:spLocks noGrp="1"/>
-          </p:cNvSpPr>
-          <p:nvPr>
-            <p:ph type="body" idx="1"/>
+                <a16:creationId xmlns:a16="http://schemas.microsoft.com/office/drawing/2014/main" id="{FBCD2955-6150-D300-3169-8E094E93D4E0}"/>
+              </a:ext>
+            </a:extLst>
+          </p:cNvPr>
+          <p:cNvSpPr>
+            <a:spLocks noGrp="1"/>
+          </p:cNvSpPr>
+          <p:nvPr>
+            <p:ph type="ctrTitle"/>
           </p:nvPr>
         </p:nvSpPr>
         <p:spPr/>
@@ -4452,18 +4983,42 @@
           <a:bodyPr/>
           <a:lstStyle/>
           <a:p>
-            <a:pPr algn="ctr"/>
             <a:r>
               <a:rPr kumimoji="1" lang="ja-JP" altLang="en-US" dirty="0"/>
-              <a:t>実装できなかった機能と今後実装したい機能</a:t>
-            </a:r>
+              <a:t>実演</a:t>
+            </a:r>
+          </a:p>
+        </p:txBody>
+      </p:sp>
+      <p:sp>
+        <p:nvSpPr>
+          <p:cNvPr id="3" name="字幕 2">
+            <a:extLst>
+              <a:ext uri="{FF2B5EF4-FFF2-40B4-BE49-F238E27FC236}">
+                <a16:creationId xmlns:a16="http://schemas.microsoft.com/office/drawing/2014/main" id="{3B310A0A-BB8A-EDCD-D6CA-67FA3591AFB3}"/>
+              </a:ext>
+            </a:extLst>
+          </p:cNvPr>
+          <p:cNvSpPr>
+            <a:spLocks noGrp="1"/>
+          </p:cNvSpPr>
+          <p:nvPr>
+            <p:ph type="subTitle" idx="1"/>
+          </p:nvPr>
+        </p:nvSpPr>
+        <p:spPr/>
+        <p:txBody>
+          <a:bodyPr/>
+          <a:lstStyle/>
+          <a:p>
+            <a:endParaRPr kumimoji="1" lang="ja-JP" altLang="en-US"/>
           </a:p>
         </p:txBody>
       </p:sp>
     </p:spTree>
     <p:extLst>
       <p:ext uri="{BB962C8B-B14F-4D97-AF65-F5344CB8AC3E}">
-        <p14:creationId xmlns:p14="http://schemas.microsoft.com/office/powerpoint/2010/main" val="1424284377"/>
+        <p14:creationId xmlns:p14="http://schemas.microsoft.com/office/powerpoint/2010/main" val="2434412544"/>
       </p:ext>
     </p:extLst>
   </p:cSld>
@@ -4495,7 +5050,7 @@
           <p:cNvPr id="2" name="タイトル 1">
             <a:extLst>
               <a:ext uri="{FF2B5EF4-FFF2-40B4-BE49-F238E27FC236}">
-                <a16:creationId xmlns:a16="http://schemas.microsoft.com/office/drawing/2014/main" id="{BDB9CB6F-C6EC-D09D-AA44-0216AAE905E7}"/>
+                <a16:creationId xmlns:a16="http://schemas.microsoft.com/office/drawing/2014/main" id="{BA6D59F6-3DA7-4860-EF04-DB713BCAEA25}"/>
               </a:ext>
             </a:extLst>
           </p:cNvPr>
@@ -4506,95 +5061,57 @@
             <p:ph type="title"/>
           </p:nvPr>
         </p:nvSpPr>
+        <p:spPr>
+          <a:xfrm>
+            <a:off x="689237" y="842168"/>
+            <a:ext cx="10515600" cy="2852737"/>
+          </a:xfrm>
+        </p:spPr>
+        <p:txBody>
+          <a:bodyPr/>
+          <a:lstStyle/>
+          <a:p>
+            <a:pPr algn="ctr"/>
+            <a:r>
+              <a:rPr kumimoji="1" lang="ja-JP" altLang="en-US" b="1" dirty="0"/>
+              <a:t>今後の展望</a:t>
+            </a:r>
+          </a:p>
+        </p:txBody>
+      </p:sp>
+      <p:sp>
+        <p:nvSpPr>
+          <p:cNvPr id="3" name="テキスト プレースホルダー 2">
+            <a:extLst>
+              <a:ext uri="{FF2B5EF4-FFF2-40B4-BE49-F238E27FC236}">
+                <a16:creationId xmlns:a16="http://schemas.microsoft.com/office/drawing/2014/main" id="{0762E3D3-BE9D-9972-D398-82DEA4EA8BB5}"/>
+              </a:ext>
+            </a:extLst>
+          </p:cNvPr>
+          <p:cNvSpPr>
+            <a:spLocks noGrp="1"/>
+          </p:cNvSpPr>
+          <p:nvPr>
+            <p:ph type="body" idx="1"/>
+          </p:nvPr>
+        </p:nvSpPr>
         <p:spPr/>
         <p:txBody>
           <a:bodyPr/>
           <a:lstStyle/>
           <a:p>
+            <a:pPr algn="ctr"/>
             <a:r>
               <a:rPr kumimoji="1" lang="ja-JP" altLang="en-US" dirty="0"/>
-              <a:t>セキュリティ面での強化</a:t>
-            </a:r>
-          </a:p>
-        </p:txBody>
-      </p:sp>
-      <p:sp>
-        <p:nvSpPr>
-          <p:cNvPr id="3" name="コンテンツ プレースホルダー 2">
-            <a:extLst>
-              <a:ext uri="{FF2B5EF4-FFF2-40B4-BE49-F238E27FC236}">
-                <a16:creationId xmlns:a16="http://schemas.microsoft.com/office/drawing/2014/main" id="{515C068D-3E45-6472-3CCC-1A43A9F49A2D}"/>
-              </a:ext>
-            </a:extLst>
-          </p:cNvPr>
-          <p:cNvSpPr>
-            <a:spLocks noGrp="1"/>
-          </p:cNvSpPr>
-          <p:nvPr>
-            <p:ph idx="1"/>
-          </p:nvPr>
-        </p:nvSpPr>
-        <p:spPr/>
-        <p:txBody>
-          <a:bodyPr/>
-          <a:lstStyle/>
-          <a:p>
-            <a:pPr>
-              <a:lnSpc>
-                <a:spcPct val="150000"/>
-              </a:lnSpc>
-            </a:pPr>
-            <a:r>
-              <a:rPr kumimoji="1" lang="ja-JP" altLang="en-US" dirty="0"/>
-              <a:t>直リンク対策</a:t>
-            </a:r>
-            <a:endParaRPr lang="en-US" altLang="ja-JP" dirty="0"/>
-          </a:p>
-          <a:p>
-            <a:pPr>
-              <a:lnSpc>
-                <a:spcPct val="150000"/>
-              </a:lnSpc>
-            </a:pPr>
-            <a:r>
-              <a:rPr kumimoji="1" lang="ja-JP" altLang="en-US" dirty="0"/>
-              <a:t>通報、ブロック機能を実装</a:t>
-            </a:r>
-            <a:endParaRPr kumimoji="1" lang="en-US" altLang="ja-JP" dirty="0"/>
-          </a:p>
-          <a:p>
-            <a:pPr>
-              <a:lnSpc>
-                <a:spcPct val="150000"/>
-              </a:lnSpc>
-            </a:pPr>
-            <a:r>
-              <a:rPr kumimoji="1" lang="ja-JP" altLang="en-US" dirty="0"/>
-              <a:t>画像処理を用いてセンシティブな画像のアップロードを未然に防止する</a:t>
-            </a:r>
-            <a:endParaRPr kumimoji="1" lang="en-US" altLang="ja-JP" dirty="0"/>
-          </a:p>
-          <a:p>
-            <a:pPr>
-              <a:lnSpc>
-                <a:spcPct val="150000"/>
-              </a:lnSpc>
-            </a:pPr>
-            <a:r>
-              <a:rPr kumimoji="1" lang="ja-JP" altLang="en-US" dirty="0"/>
-              <a:t>メールでのパスワードリセット</a:t>
-            </a:r>
-            <a:endParaRPr kumimoji="1" lang="en-US" altLang="ja-JP" dirty="0"/>
-          </a:p>
-          <a:p>
-            <a:endParaRPr kumimoji="1" lang="ja-JP" altLang="en-US" dirty="0"/>
+              <a:t>実装できなかった機能と今後実装したい機能</a:t>
+            </a:r>
           </a:p>
         </p:txBody>
       </p:sp>
     </p:spTree>
     <p:extLst>
       <p:ext uri="{BB962C8B-B14F-4D97-AF65-F5344CB8AC3E}">
-        <p14:creationId xmlns:p14="http://schemas.microsoft.com/office/powerpoint/2010/main" val="2071354840"/>
+        <p14:creationId xmlns:p14="http://schemas.microsoft.com/office/powerpoint/2010/main" val="1424284377"/>
       </p:ext>
     </p:extLst>
   </p:cSld>
@@ -4623,10 +5140,10 @@
       </p:grpSpPr>
       <p:sp>
         <p:nvSpPr>
-          <p:cNvPr id="2" name="タイトル 1">
-            <a:extLst>
-              <a:ext uri="{FF2B5EF4-FFF2-40B4-BE49-F238E27FC236}">
-                <a16:creationId xmlns:a16="http://schemas.microsoft.com/office/drawing/2014/main" id="{3601BE08-9E6E-7724-9EA6-F60E69A25106}"/>
+          <p:cNvPr id="4" name="タイトル 3">
+            <a:extLst>
+              <a:ext uri="{FF2B5EF4-FFF2-40B4-BE49-F238E27FC236}">
+                <a16:creationId xmlns:a16="http://schemas.microsoft.com/office/drawing/2014/main" id="{B7AE8171-CCC8-7221-F257-AFE021F61873}"/>
               </a:ext>
             </a:extLst>
           </p:cNvPr>
@@ -4643,95 +5160,77 @@
           <a:lstStyle/>
           <a:p>
             <a:r>
-              <a:rPr kumimoji="1" lang="ja-JP" altLang="en-US" dirty="0"/>
+              <a:rPr lang="en-US" altLang="ja-JP" dirty="0"/>
+              <a:t>3</a:t>
+            </a:r>
+            <a:r>
+              <a:rPr lang="ja-JP" altLang="en-US" dirty="0"/>
+              <a:t>つのコンセプト</a:t>
+            </a:r>
+          </a:p>
+        </p:txBody>
+      </p:sp>
+      <p:sp>
+        <p:nvSpPr>
+          <p:cNvPr id="5" name="コンテンツ プレースホルダー 4">
+            <a:extLst>
+              <a:ext uri="{FF2B5EF4-FFF2-40B4-BE49-F238E27FC236}">
+                <a16:creationId xmlns:a16="http://schemas.microsoft.com/office/drawing/2014/main" id="{77BF551B-639B-8995-FAC3-BC8046F7E7B6}"/>
+              </a:ext>
+            </a:extLst>
+          </p:cNvPr>
+          <p:cNvSpPr>
+            <a:spLocks noGrp="1"/>
+          </p:cNvSpPr>
+          <p:nvPr>
+            <p:ph idx="1"/>
+          </p:nvPr>
+        </p:nvSpPr>
+        <p:spPr/>
+        <p:txBody>
+          <a:bodyPr>
+            <a:normAutofit/>
+          </a:bodyPr>
+          <a:lstStyle/>
+          <a:p>
+            <a:r>
+              <a:rPr lang="ja-JP" altLang="en-US" sz="4000" dirty="0"/>
+              <a:t>セキュリティ面の強化</a:t>
+            </a:r>
+            <a:endParaRPr lang="en-US" altLang="ja-JP" sz="4000" dirty="0"/>
+          </a:p>
+          <a:p>
+            <a:endParaRPr lang="en-US" altLang="ja-JP" sz="4000" dirty="0"/>
+          </a:p>
+          <a:p>
+            <a:r>
+              <a:rPr lang="ja-JP" altLang="en-US" sz="4000" dirty="0"/>
               <a:t>機能面の充実</a:t>
             </a:r>
-          </a:p>
-        </p:txBody>
-      </p:sp>
-      <p:sp>
-        <p:nvSpPr>
-          <p:cNvPr id="3" name="コンテンツ プレースホルダー 2">
-            <a:extLst>
-              <a:ext uri="{FF2B5EF4-FFF2-40B4-BE49-F238E27FC236}">
-                <a16:creationId xmlns:a16="http://schemas.microsoft.com/office/drawing/2014/main" id="{49E08DA6-4CD5-E002-455F-1B6492A0E805}"/>
-              </a:ext>
-            </a:extLst>
-          </p:cNvPr>
-          <p:cNvSpPr>
-            <a:spLocks noGrp="1"/>
-          </p:cNvSpPr>
-          <p:nvPr>
-            <p:ph idx="1"/>
-          </p:nvPr>
-        </p:nvSpPr>
-        <p:spPr/>
-        <p:txBody>
-          <a:bodyPr/>
-          <a:lstStyle/>
-          <a:p>
-            <a:pPr>
-              <a:lnSpc>
-                <a:spcPct val="200000"/>
-              </a:lnSpc>
-            </a:pPr>
-            <a:r>
-              <a:rPr kumimoji="1" lang="ja-JP" altLang="en-US" dirty="0"/>
-              <a:t>複数個の画像アップロードと動画のアップロードを可能に</a:t>
-            </a:r>
-            <a:endParaRPr kumimoji="1" lang="en-US" altLang="ja-JP" dirty="0"/>
-          </a:p>
-          <a:p>
-            <a:pPr>
-              <a:lnSpc>
-                <a:spcPct val="200000"/>
-              </a:lnSpc>
-            </a:pPr>
-            <a:r>
-              <a:rPr kumimoji="1" lang="ja-JP" altLang="en-US" dirty="0"/>
-              <a:t>管理者画面からお問い合わせに返信出来るように</a:t>
-            </a:r>
-            <a:endParaRPr kumimoji="1" lang="en-US" altLang="ja-JP" dirty="0"/>
-          </a:p>
-          <a:p>
-            <a:pPr>
-              <a:lnSpc>
-                <a:spcPct val="200000"/>
-              </a:lnSpc>
-            </a:pPr>
-            <a:r>
-              <a:rPr kumimoji="1" lang="ja-JP" altLang="en-US" dirty="0"/>
-              <a:t>チャットルームのお気に入り登録やメッセージへのいいね</a:t>
-            </a:r>
-            <a:endParaRPr kumimoji="1" lang="en-US" altLang="ja-JP" dirty="0"/>
-          </a:p>
-          <a:p>
-            <a:pPr>
-              <a:lnSpc>
-                <a:spcPct val="200000"/>
-              </a:lnSpc>
-            </a:pPr>
-            <a:r>
-              <a:rPr kumimoji="1" lang="ja-JP" altLang="en-US" dirty="0"/>
-              <a:t>ページ数を減らして読み込みの時間を減らす</a:t>
-            </a:r>
-            <a:endParaRPr kumimoji="1" lang="en-US" altLang="ja-JP" dirty="0"/>
-          </a:p>
-          <a:p>
-            <a:endParaRPr kumimoji="1" lang="en-US" altLang="ja-JP" dirty="0"/>
-          </a:p>
-          <a:p>
-            <a:endParaRPr kumimoji="1" lang="en-US" altLang="ja-JP" dirty="0"/>
-          </a:p>
-          <a:p>
-            <a:endParaRPr kumimoji="1" lang="ja-JP" altLang="en-US" dirty="0"/>
+            <a:endParaRPr lang="en-US" altLang="ja-JP" sz="4000" dirty="0"/>
+          </a:p>
+          <a:p>
+            <a:endParaRPr lang="en-US" altLang="ja-JP" sz="4000" dirty="0"/>
+          </a:p>
+          <a:p>
+            <a:r>
+              <a:rPr lang="ja-JP" altLang="en-US" sz="4000" dirty="0"/>
+              <a:t>デザイン</a:t>
+            </a:r>
+            <a:endParaRPr lang="en-US" altLang="ja-JP" sz="4000" dirty="0"/>
+          </a:p>
+          <a:p>
+            <a:endParaRPr lang="en-US" altLang="ja-JP" sz="3600" dirty="0"/>
+          </a:p>
+          <a:p>
+            <a:endParaRPr lang="ja-JP" altLang="en-US" sz="3600" dirty="0"/>
           </a:p>
         </p:txBody>
       </p:sp>
     </p:spTree>
     <p:extLst>
       <p:ext uri="{BB962C8B-B14F-4D97-AF65-F5344CB8AC3E}">
-        <p14:creationId xmlns:p14="http://schemas.microsoft.com/office/powerpoint/2010/main" val="2198046034"/>
+        <p14:creationId xmlns:p14="http://schemas.microsoft.com/office/powerpoint/2010/main" val="141146353"/>
       </p:ext>
     </p:extLst>
   </p:cSld>
@@ -4763,7 +5262,7 @@
           <p:cNvPr id="2" name="タイトル 1">
             <a:extLst>
               <a:ext uri="{FF2B5EF4-FFF2-40B4-BE49-F238E27FC236}">
-                <a16:creationId xmlns:a16="http://schemas.microsoft.com/office/drawing/2014/main" id="{4EC43B7D-3CF8-72C4-4DF7-D6AA4D86E813}"/>
+                <a16:creationId xmlns:a16="http://schemas.microsoft.com/office/drawing/2014/main" id="{BDB9CB6F-C6EC-D09D-AA44-0216AAE905E7}"/>
               </a:ext>
             </a:extLst>
           </p:cNvPr>
@@ -4781,7 +5280,7 @@
           <a:p>
             <a:r>
               <a:rPr kumimoji="1" lang="ja-JP" altLang="en-US" dirty="0"/>
-              <a:t>デザイン</a:t>
+              <a:t>セキュリティ面の強化</a:t>
             </a:r>
           </a:p>
         </p:txBody>
@@ -4791,7 +5290,7 @@
           <p:cNvPr id="3" name="コンテンツ プレースホルダー 2">
             <a:extLst>
               <a:ext uri="{FF2B5EF4-FFF2-40B4-BE49-F238E27FC236}">
-                <a16:creationId xmlns:a16="http://schemas.microsoft.com/office/drawing/2014/main" id="{CB111BC9-E2A2-59B7-9B20-DB006B76A3D7}"/>
+                <a16:creationId xmlns:a16="http://schemas.microsoft.com/office/drawing/2014/main" id="{515C068D-3E45-6472-3CCC-1A43A9F49A2D}"/>
               </a:ext>
             </a:extLst>
           </p:cNvPr>
@@ -4814,9 +5313,9 @@
             </a:pPr>
             <a:r>
               <a:rPr kumimoji="1" lang="ja-JP" altLang="en-US" dirty="0"/>
-              <a:t>シンプルなデザインを目指した反面、なんだかさみしい印象になってしまった</a:t>
-            </a:r>
-            <a:endParaRPr kumimoji="1" lang="en-US" altLang="ja-JP" dirty="0"/>
+              <a:t>直リンク対策</a:t>
+            </a:r>
+            <a:endParaRPr lang="en-US" altLang="ja-JP" dirty="0"/>
           </a:p>
           <a:p>
             <a:pPr>
@@ -4826,15 +5325,7 @@
             </a:pPr>
             <a:r>
               <a:rPr kumimoji="1" lang="ja-JP" altLang="en-US" dirty="0"/>
-              <a:t>スマートさに欠ける印象（</a:t>
-            </a:r>
-            <a:r>
-              <a:rPr kumimoji="1" lang="en-US" altLang="ja-JP" dirty="0"/>
-              <a:t>PC</a:t>
-            </a:r>
-            <a:r>
-              <a:rPr kumimoji="1" lang="ja-JP" altLang="en-US" dirty="0"/>
-              <a:t>画面時）</a:t>
+              <a:t>通報、ブロック機能を実装</a:t>
             </a:r>
             <a:endParaRPr kumimoji="1" lang="en-US" altLang="ja-JP" dirty="0"/>
           </a:p>
@@ -4846,25 +5337,31 @@
             </a:pPr>
             <a:r>
               <a:rPr kumimoji="1" lang="ja-JP" altLang="en-US" dirty="0"/>
-              <a:t>ボーダーを付ける等してメリハリをつける</a:t>
+              <a:t>画像処理を用いてセンシティブな画像のアップロードを未然に防止する</a:t>
             </a:r>
             <a:endParaRPr kumimoji="1" lang="en-US" altLang="ja-JP" dirty="0"/>
           </a:p>
           <a:p>
-            <a:pPr marL="0" indent="0">
-              <a:buNone/>
+            <a:pPr>
+              <a:lnSpc>
+                <a:spcPct val="150000"/>
+              </a:lnSpc>
             </a:pPr>
-            <a:endParaRPr lang="en-US" altLang="ja-JP" dirty="0"/>
-          </a:p>
-          <a:p>
+            <a:r>
+              <a:rPr kumimoji="1" lang="ja-JP" altLang="en-US" dirty="0"/>
+              <a:t>メールでのパスワードリセット</a:t>
+            </a:r>
             <a:endParaRPr kumimoji="1" lang="en-US" altLang="ja-JP" dirty="0"/>
+          </a:p>
+          <a:p>
+            <a:endParaRPr kumimoji="1" lang="ja-JP" altLang="en-US" dirty="0"/>
           </a:p>
         </p:txBody>
       </p:sp>
     </p:spTree>
     <p:extLst>
       <p:ext uri="{BB962C8B-B14F-4D97-AF65-F5344CB8AC3E}">
-        <p14:creationId xmlns:p14="http://schemas.microsoft.com/office/powerpoint/2010/main" val="3878973450"/>
+        <p14:creationId xmlns:p14="http://schemas.microsoft.com/office/powerpoint/2010/main" val="2071354840"/>
       </p:ext>
     </p:extLst>
   </p:cSld>
@@ -4896,7 +5393,7 @@
           <p:cNvPr id="2" name="タイトル 1">
             <a:extLst>
               <a:ext uri="{FF2B5EF4-FFF2-40B4-BE49-F238E27FC236}">
-                <a16:creationId xmlns:a16="http://schemas.microsoft.com/office/drawing/2014/main" id="{52004802-A2B2-AB51-E082-8E9EC516087C}"/>
+                <a16:creationId xmlns:a16="http://schemas.microsoft.com/office/drawing/2014/main" id="{3601BE08-9E6E-7724-9EA6-F60E69A25106}"/>
               </a:ext>
             </a:extLst>
           </p:cNvPr>
@@ -4914,7 +5411,7 @@
           <a:p>
             <a:r>
               <a:rPr kumimoji="1" lang="ja-JP" altLang="en-US" dirty="0"/>
-              <a:t>作ってみての反省点</a:t>
+              <a:t>機能面の充実</a:t>
             </a:r>
           </a:p>
         </p:txBody>
@@ -4924,7 +5421,7 @@
           <p:cNvPr id="3" name="コンテンツ プレースホルダー 2">
             <a:extLst>
               <a:ext uri="{FF2B5EF4-FFF2-40B4-BE49-F238E27FC236}">
-                <a16:creationId xmlns:a16="http://schemas.microsoft.com/office/drawing/2014/main" id="{5DE42498-B3B4-BD00-9846-1ED22AD6D33F}"/>
+                <a16:creationId xmlns:a16="http://schemas.microsoft.com/office/drawing/2014/main" id="{49E08DA6-4CD5-E002-455F-1B6492A0E805}"/>
               </a:ext>
             </a:extLst>
           </p:cNvPr>
@@ -4942,48 +5439,66 @@
           <a:p>
             <a:pPr>
               <a:lnSpc>
-                <a:spcPct val="150000"/>
+                <a:spcPct val="200000"/>
               </a:lnSpc>
             </a:pPr>
             <a:r>
-              <a:rPr kumimoji="1" lang="en-US" altLang="ja-JP" dirty="0"/>
-              <a:t>Laravel</a:t>
-            </a:r>
-            <a:r>
               <a:rPr kumimoji="1" lang="ja-JP" altLang="en-US" dirty="0"/>
-              <a:t>の機能（マイグレーション等）や</a:t>
-            </a:r>
-            <a:r>
-              <a:rPr kumimoji="1" lang="en-US" altLang="ja-JP" dirty="0"/>
-              <a:t>Bootstrap</a:t>
-            </a:r>
-            <a:r>
-              <a:rPr kumimoji="1" lang="ja-JP" altLang="en-US" dirty="0"/>
-              <a:t>を活用すれば、より必要な機能の充実に時間を使えた</a:t>
-            </a:r>
-            <a:r>
-              <a:rPr kumimoji="1" lang="ja-JP" altLang="en-US"/>
-              <a:t>と思う</a:t>
+              <a:t>複数個の画像アップロードと動画のアップロードを可能に</a:t>
             </a:r>
             <a:endParaRPr kumimoji="1" lang="en-US" altLang="ja-JP" dirty="0"/>
           </a:p>
           <a:p>
             <a:pPr>
               <a:lnSpc>
-                <a:spcPct val="150000"/>
+                <a:spcPct val="200000"/>
               </a:lnSpc>
             </a:pPr>
             <a:r>
               <a:rPr kumimoji="1" lang="ja-JP" altLang="en-US" dirty="0"/>
-              <a:t>着想自体は良かったと考えているので、今後も色々な機能を実装していきたい</a:t>
-            </a:r>
+              <a:t>管理者画面からお問い合わせに返信出来るように</a:t>
+            </a:r>
+            <a:endParaRPr kumimoji="1" lang="en-US" altLang="ja-JP" dirty="0"/>
+          </a:p>
+          <a:p>
+            <a:pPr>
+              <a:lnSpc>
+                <a:spcPct val="200000"/>
+              </a:lnSpc>
+            </a:pPr>
+            <a:r>
+              <a:rPr kumimoji="1" lang="ja-JP" altLang="en-US" dirty="0"/>
+              <a:t>チャットルームのお気に入り登録やメッセージへのいいね</a:t>
+            </a:r>
+            <a:endParaRPr kumimoji="1" lang="en-US" altLang="ja-JP" dirty="0"/>
+          </a:p>
+          <a:p>
+            <a:pPr>
+              <a:lnSpc>
+                <a:spcPct val="200000"/>
+              </a:lnSpc>
+            </a:pPr>
+            <a:r>
+              <a:rPr kumimoji="1" lang="ja-JP" altLang="en-US" dirty="0"/>
+              <a:t>ページ数を減らして読み込みの時間を減らす</a:t>
+            </a:r>
+            <a:endParaRPr kumimoji="1" lang="en-US" altLang="ja-JP" dirty="0"/>
+          </a:p>
+          <a:p>
+            <a:endParaRPr kumimoji="1" lang="en-US" altLang="ja-JP" dirty="0"/>
+          </a:p>
+          <a:p>
+            <a:endParaRPr kumimoji="1" lang="en-US" altLang="ja-JP" dirty="0"/>
+          </a:p>
+          <a:p>
+            <a:endParaRPr kumimoji="1" lang="ja-JP" altLang="en-US" dirty="0"/>
           </a:p>
         </p:txBody>
       </p:sp>
     </p:spTree>
     <p:extLst>
       <p:ext uri="{BB962C8B-B14F-4D97-AF65-F5344CB8AC3E}">
-        <p14:creationId xmlns:p14="http://schemas.microsoft.com/office/powerpoint/2010/main" val="1709412594"/>
+        <p14:creationId xmlns:p14="http://schemas.microsoft.com/office/powerpoint/2010/main" val="2198046034"/>
       </p:ext>
     </p:extLst>
   </p:cSld>
